--- a/Notes/14_intro_stat_mech.pptx
+++ b/Notes/14_intro_stat_mech.pptx
@@ -9424,7 +9424,7 @@
                       <a:noFill/>
                       <a:extLst>
                         <a:ext uri="{909E8E84-426E-40dd-AFC4-6F175D3DCCD1}">
-                          <a14:hiddenFill xmlns:a14="http://schemas.microsoft.com/office/drawing/2010/main" xmlns="">
+                          <a14:hiddenFill xmlns="" xmlns:a14="http://schemas.microsoft.com/office/drawing/2010/main">
                             <a:solidFill>
                               <a:srgbClr val="FFFFFF"/>
                             </a:solidFill>
@@ -10230,7 +10230,7 @@
                       <a:noFill/>
                       <a:extLst>
                         <a:ext uri="{909E8E84-426E-40dd-AFC4-6F175D3DCCD1}">
-                          <a14:hiddenFill xmlns:a14="http://schemas.microsoft.com/office/drawing/2010/main" xmlns="">
+                          <a14:hiddenFill xmlns="" xmlns:a14="http://schemas.microsoft.com/office/drawing/2010/main">
                             <a:solidFill>
                               <a:srgbClr val="FFFFFF"/>
                             </a:solidFill>
@@ -10795,7 +10795,7 @@
                       <a:noFill/>
                       <a:extLst>
                         <a:ext uri="{909E8E84-426E-40dd-AFC4-6F175D3DCCD1}">
-                          <a14:hiddenFill xmlns:a14="http://schemas.microsoft.com/office/drawing/2010/main" xmlns="">
+                          <a14:hiddenFill xmlns="" xmlns:a14="http://schemas.microsoft.com/office/drawing/2010/main">
                             <a:solidFill>
                               <a:srgbClr val="FFFFFF"/>
                             </a:solidFill>
@@ -11714,7 +11714,7 @@
                       <a:noFill/>
                       <a:extLst>
                         <a:ext uri="{909E8E84-426E-40dd-AFC4-6F175D3DCCD1}">
-                          <a14:hiddenFill xmlns:a14="http://schemas.microsoft.com/office/drawing/2010/main" xmlns="">
+                          <a14:hiddenFill xmlns="" xmlns:a14="http://schemas.microsoft.com/office/drawing/2010/main">
                             <a:solidFill>
                               <a:srgbClr val="FFFFFF"/>
                             </a:solidFill>
@@ -13508,7 +13508,7 @@
             </a:r>
           </a:p>
           <a:p>
-            <a:pPr marL="887413" lvl="1" indent="-323850">
+            <a:pPr marL="1344613" lvl="2" indent="-323850">
               <a:spcBef>
                 <a:spcPts val="800"/>
               </a:spcBef>
@@ -13536,7 +13536,25 @@
                 </a:solidFill>
                 <a:latin typeface="Times New Roman" pitchFamily="18" charset="0"/>
               </a:rPr>
-              <a:t>Do they deliver any value to you; helping to get closer to the “truth” or discern a clearer “scientific story”?</a:t>
+              <a:t>It’s worth it </a:t>
+            </a:r>
+            <a:r>
+              <a:rPr lang="en-GB" sz="2000" b="1" i="1" u="sng" dirty="0">
+                <a:solidFill>
+                  <a:srgbClr val="000000"/>
+                </a:solidFill>
+                <a:latin typeface="Times New Roman" pitchFamily="18" charset="0"/>
+              </a:rPr>
+              <a:t>IF</a:t>
+            </a:r>
+            <a:r>
+              <a:rPr lang="en-GB" sz="2000" dirty="0">
+                <a:solidFill>
+                  <a:srgbClr val="000000"/>
+                </a:solidFill>
+                <a:latin typeface="Times New Roman" pitchFamily="18" charset="0"/>
+              </a:rPr>
+              <a:t> they deliver any value to you; helping to get closer to the “truth” or discern a clearer “scientific story”.</a:t>
             </a:r>
           </a:p>
         </p:txBody>
@@ -14606,8 +14624,8 @@
         </p:nvSpPr>
         <p:spPr>
           <a:xfrm>
-            <a:off x="559811" y="4370543"/>
-            <a:ext cx="3694689" cy="1323439"/>
+            <a:off x="91181" y="4107653"/>
+            <a:ext cx="3694689" cy="1200329"/>
           </a:xfrm>
           <a:prstGeom prst="rect">
             <a:avLst/>
@@ -14625,11 +14643,11 @@
               <a:buChar char="•"/>
             </a:pPr>
             <a:r>
-              <a:rPr lang="en-US" sz="2000" dirty="0">
+              <a:rPr lang="en-US" dirty="0">
                 <a:latin typeface="Times New Roman"/>
                 <a:cs typeface="Times New Roman"/>
               </a:rPr>
-              <a:t>Nested sampling (2004): a method that can do it for the widest array of practical models so far…</a:t>
+              <a:t>Nested sampling (Skilling, 2004): a method that can do it for the widest array of practical models so far…</a:t>
             </a:r>
           </a:p>
         </p:txBody>
@@ -14706,7 +14724,7 @@
         </p:blipFill>
         <p:spPr>
           <a:xfrm>
-            <a:off x="250892" y="5966441"/>
+            <a:off x="250892" y="5337791"/>
             <a:ext cx="3841616" cy="297103"/>
           </a:xfrm>
           <a:prstGeom prst="rect">
@@ -14714,6 +14732,48 @@
           </a:prstGeom>
         </p:spPr>
       </p:pic>
+      <p:sp>
+        <p:nvSpPr>
+          <p:cNvPr id="11" name="TextBox 10">
+            <a:extLst>
+              <a:ext uri="{FF2B5EF4-FFF2-40B4-BE49-F238E27FC236}">
+                <a16:creationId xmlns:a16="http://schemas.microsoft.com/office/drawing/2014/main" id="{B24612A0-34E2-6D01-D04A-92D21581AE9A}"/>
+              </a:ext>
+            </a:extLst>
+          </p:cNvPr>
+          <p:cNvSpPr txBox="1"/>
+          <p:nvPr/>
+        </p:nvSpPr>
+        <p:spPr>
+          <a:xfrm>
+            <a:off x="91181" y="5845013"/>
+            <a:ext cx="4204142" cy="923330"/>
+          </a:xfrm>
+          <a:prstGeom prst="rect">
+            <a:avLst/>
+          </a:prstGeom>
+          <a:noFill/>
+        </p:spPr>
+        <p:txBody>
+          <a:bodyPr wrap="square" rtlCol="0">
+            <a:spAutoFit/>
+          </a:bodyPr>
+          <a:lstStyle/>
+          <a:p>
+            <a:pPr marL="285750" indent="-285750">
+              <a:buFont typeface="Arial"/>
+              <a:buChar char="•"/>
+            </a:pPr>
+            <a:r>
+              <a:rPr lang="en-US" dirty="0">
+                <a:latin typeface="Times New Roman"/>
+                <a:cs typeface="Times New Roman"/>
+              </a:rPr>
+              <a:t>Bridge sampling (Meng, Gelman,1998) can also work often if you have the resources and not too crazy a problem</a:t>
+            </a:r>
+          </a:p>
+        </p:txBody>
+      </p:sp>
     </p:spTree>
     <p:extLst>
       <p:ext uri="{BB962C8B-B14F-4D97-AF65-F5344CB8AC3E}">
@@ -15365,532 +15425,6 @@
   <p:clrMapOvr>
     <a:masterClrMapping/>
   </p:clrMapOvr>
-  <p:timing>
-    <p:tnLst>
-      <p:par>
-        <p:cTn id="1" dur="indefinite" restart="never" nodeType="tmRoot">
-          <p:childTnLst>
-            <p:seq concurrent="1" nextAc="seek">
-              <p:cTn id="2" dur="indefinite" nodeType="mainSeq">
-                <p:childTnLst>
-                  <p:par>
-                    <p:cTn id="3" fill="hold">
-                      <p:stCondLst>
-                        <p:cond delay="indefinite"/>
-                      </p:stCondLst>
-                      <p:childTnLst>
-                        <p:par>
-                          <p:cTn id="4" fill="hold">
-                            <p:stCondLst>
-                              <p:cond delay="0"/>
-                            </p:stCondLst>
-                            <p:childTnLst>
-                              <p:par>
-                                <p:cTn id="5" presetID="2" presetClass="entr" presetSubtype="4" fill="hold" grpId="0" nodeType="clickEffect">
-                                  <p:stCondLst>
-                                    <p:cond delay="0"/>
-                                  </p:stCondLst>
-                                  <p:childTnLst>
-                                    <p:set>
-                                      <p:cBhvr>
-                                        <p:cTn id="6" dur="1" fill="hold">
-                                          <p:stCondLst>
-                                            <p:cond delay="0"/>
-                                          </p:stCondLst>
-                                        </p:cTn>
-                                        <p:tgtEl>
-                                          <p:spTgt spid="8"/>
-                                        </p:tgtEl>
-                                        <p:attrNameLst>
-                                          <p:attrName>style.visibility</p:attrName>
-                                        </p:attrNameLst>
-                                      </p:cBhvr>
-                                      <p:to>
-                                        <p:strVal val="visible"/>
-                                      </p:to>
-                                    </p:set>
-                                    <p:anim calcmode="lin" valueType="num">
-                                      <p:cBhvr additive="base">
-                                        <p:cTn id="7" dur="500" fill="hold"/>
-                                        <p:tgtEl>
-                                          <p:spTgt spid="8"/>
-                                        </p:tgtEl>
-                                        <p:attrNameLst>
-                                          <p:attrName>ppt_x</p:attrName>
-                                        </p:attrNameLst>
-                                      </p:cBhvr>
-                                      <p:tavLst>
-                                        <p:tav tm="0">
-                                          <p:val>
-                                            <p:strVal val="#ppt_x"/>
-                                          </p:val>
-                                        </p:tav>
-                                        <p:tav tm="100000">
-                                          <p:val>
-                                            <p:strVal val="#ppt_x"/>
-                                          </p:val>
-                                        </p:tav>
-                                      </p:tavLst>
-                                    </p:anim>
-                                    <p:anim calcmode="lin" valueType="num">
-                                      <p:cBhvr additive="base">
-                                        <p:cTn id="8" dur="500" fill="hold"/>
-                                        <p:tgtEl>
-                                          <p:spTgt spid="8"/>
-                                        </p:tgtEl>
-                                        <p:attrNameLst>
-                                          <p:attrName>ppt_y</p:attrName>
-                                        </p:attrNameLst>
-                                      </p:cBhvr>
-                                      <p:tavLst>
-                                        <p:tav tm="0">
-                                          <p:val>
-                                            <p:strVal val="1+#ppt_h/2"/>
-                                          </p:val>
-                                        </p:tav>
-                                        <p:tav tm="100000">
-                                          <p:val>
-                                            <p:strVal val="#ppt_y"/>
-                                          </p:val>
-                                        </p:tav>
-                                      </p:tavLst>
-                                    </p:anim>
-                                  </p:childTnLst>
-                                </p:cTn>
-                              </p:par>
-                              <p:par>
-                                <p:cTn id="9" presetID="2" presetClass="entr" presetSubtype="4" fill="hold" nodeType="withEffect">
-                                  <p:stCondLst>
-                                    <p:cond delay="0"/>
-                                  </p:stCondLst>
-                                  <p:childTnLst>
-                                    <p:set>
-                                      <p:cBhvr>
-                                        <p:cTn id="10" dur="1" fill="hold">
-                                          <p:stCondLst>
-                                            <p:cond delay="0"/>
-                                          </p:stCondLst>
-                                        </p:cTn>
-                                        <p:tgtEl>
-                                          <p:spTgt spid="10"/>
-                                        </p:tgtEl>
-                                        <p:attrNameLst>
-                                          <p:attrName>style.visibility</p:attrName>
-                                        </p:attrNameLst>
-                                      </p:cBhvr>
-                                      <p:to>
-                                        <p:strVal val="visible"/>
-                                      </p:to>
-                                    </p:set>
-                                    <p:anim calcmode="lin" valueType="num">
-                                      <p:cBhvr additive="base">
-                                        <p:cTn id="11" dur="500" fill="hold"/>
-                                        <p:tgtEl>
-                                          <p:spTgt spid="10"/>
-                                        </p:tgtEl>
-                                        <p:attrNameLst>
-                                          <p:attrName>ppt_x</p:attrName>
-                                        </p:attrNameLst>
-                                      </p:cBhvr>
-                                      <p:tavLst>
-                                        <p:tav tm="0">
-                                          <p:val>
-                                            <p:strVal val="#ppt_x"/>
-                                          </p:val>
-                                        </p:tav>
-                                        <p:tav tm="100000">
-                                          <p:val>
-                                            <p:strVal val="#ppt_x"/>
-                                          </p:val>
-                                        </p:tav>
-                                      </p:tavLst>
-                                    </p:anim>
-                                    <p:anim calcmode="lin" valueType="num">
-                                      <p:cBhvr additive="base">
-                                        <p:cTn id="12" dur="500" fill="hold"/>
-                                        <p:tgtEl>
-                                          <p:spTgt spid="10"/>
-                                        </p:tgtEl>
-                                        <p:attrNameLst>
-                                          <p:attrName>ppt_y</p:attrName>
-                                        </p:attrNameLst>
-                                      </p:cBhvr>
-                                      <p:tavLst>
-                                        <p:tav tm="0">
-                                          <p:val>
-                                            <p:strVal val="1+#ppt_h/2"/>
-                                          </p:val>
-                                        </p:tav>
-                                        <p:tav tm="100000">
-                                          <p:val>
-                                            <p:strVal val="#ppt_y"/>
-                                          </p:val>
-                                        </p:tav>
-                                      </p:tavLst>
-                                    </p:anim>
-                                  </p:childTnLst>
-                                </p:cTn>
-                              </p:par>
-                            </p:childTnLst>
-                          </p:cTn>
-                        </p:par>
-                      </p:childTnLst>
-                    </p:cTn>
-                  </p:par>
-                  <p:par>
-                    <p:cTn id="13" fill="hold">
-                      <p:stCondLst>
-                        <p:cond delay="indefinite"/>
-                      </p:stCondLst>
-                      <p:childTnLst>
-                        <p:par>
-                          <p:cTn id="14" fill="hold">
-                            <p:stCondLst>
-                              <p:cond delay="0"/>
-                            </p:stCondLst>
-                            <p:childTnLst>
-                              <p:par>
-                                <p:cTn id="15" presetID="2" presetClass="entr" presetSubtype="4" fill="hold" grpId="0" nodeType="clickEffect">
-                                  <p:stCondLst>
-                                    <p:cond delay="0"/>
-                                  </p:stCondLst>
-                                  <p:childTnLst>
-                                    <p:set>
-                                      <p:cBhvr>
-                                        <p:cTn id="16" dur="1" fill="hold">
-                                          <p:stCondLst>
-                                            <p:cond delay="0"/>
-                                          </p:stCondLst>
-                                        </p:cTn>
-                                        <p:tgtEl>
-                                          <p:spTgt spid="13"/>
-                                        </p:tgtEl>
-                                        <p:attrNameLst>
-                                          <p:attrName>style.visibility</p:attrName>
-                                        </p:attrNameLst>
-                                      </p:cBhvr>
-                                      <p:to>
-                                        <p:strVal val="visible"/>
-                                      </p:to>
-                                    </p:set>
-                                    <p:anim calcmode="lin" valueType="num">
-                                      <p:cBhvr additive="base">
-                                        <p:cTn id="17" dur="500" fill="hold"/>
-                                        <p:tgtEl>
-                                          <p:spTgt spid="13"/>
-                                        </p:tgtEl>
-                                        <p:attrNameLst>
-                                          <p:attrName>ppt_x</p:attrName>
-                                        </p:attrNameLst>
-                                      </p:cBhvr>
-                                      <p:tavLst>
-                                        <p:tav tm="0">
-                                          <p:val>
-                                            <p:strVal val="#ppt_x"/>
-                                          </p:val>
-                                        </p:tav>
-                                        <p:tav tm="100000">
-                                          <p:val>
-                                            <p:strVal val="#ppt_x"/>
-                                          </p:val>
-                                        </p:tav>
-                                      </p:tavLst>
-                                    </p:anim>
-                                    <p:anim calcmode="lin" valueType="num">
-                                      <p:cBhvr additive="base">
-                                        <p:cTn id="18" dur="500" fill="hold"/>
-                                        <p:tgtEl>
-                                          <p:spTgt spid="13"/>
-                                        </p:tgtEl>
-                                        <p:attrNameLst>
-                                          <p:attrName>ppt_y</p:attrName>
-                                        </p:attrNameLst>
-                                      </p:cBhvr>
-                                      <p:tavLst>
-                                        <p:tav tm="0">
-                                          <p:val>
-                                            <p:strVal val="1+#ppt_h/2"/>
-                                          </p:val>
-                                        </p:tav>
-                                        <p:tav tm="100000">
-                                          <p:val>
-                                            <p:strVal val="#ppt_y"/>
-                                          </p:val>
-                                        </p:tav>
-                                      </p:tavLst>
-                                    </p:anim>
-                                  </p:childTnLst>
-                                </p:cTn>
-                              </p:par>
-                              <p:par>
-                                <p:cTn id="19" presetID="2" presetClass="entr" presetSubtype="4" fill="hold" nodeType="withEffect">
-                                  <p:stCondLst>
-                                    <p:cond delay="0"/>
-                                  </p:stCondLst>
-                                  <p:childTnLst>
-                                    <p:set>
-                                      <p:cBhvr>
-                                        <p:cTn id="20" dur="1" fill="hold">
-                                          <p:stCondLst>
-                                            <p:cond delay="0"/>
-                                          </p:stCondLst>
-                                        </p:cTn>
-                                        <p:tgtEl>
-                                          <p:spTgt spid="14"/>
-                                        </p:tgtEl>
-                                        <p:attrNameLst>
-                                          <p:attrName>style.visibility</p:attrName>
-                                        </p:attrNameLst>
-                                      </p:cBhvr>
-                                      <p:to>
-                                        <p:strVal val="visible"/>
-                                      </p:to>
-                                    </p:set>
-                                    <p:anim calcmode="lin" valueType="num">
-                                      <p:cBhvr additive="base">
-                                        <p:cTn id="21" dur="500" fill="hold"/>
-                                        <p:tgtEl>
-                                          <p:spTgt spid="14"/>
-                                        </p:tgtEl>
-                                        <p:attrNameLst>
-                                          <p:attrName>ppt_x</p:attrName>
-                                        </p:attrNameLst>
-                                      </p:cBhvr>
-                                      <p:tavLst>
-                                        <p:tav tm="0">
-                                          <p:val>
-                                            <p:strVal val="#ppt_x"/>
-                                          </p:val>
-                                        </p:tav>
-                                        <p:tav tm="100000">
-                                          <p:val>
-                                            <p:strVal val="#ppt_x"/>
-                                          </p:val>
-                                        </p:tav>
-                                      </p:tavLst>
-                                    </p:anim>
-                                    <p:anim calcmode="lin" valueType="num">
-                                      <p:cBhvr additive="base">
-                                        <p:cTn id="22" dur="500" fill="hold"/>
-                                        <p:tgtEl>
-                                          <p:spTgt spid="14"/>
-                                        </p:tgtEl>
-                                        <p:attrNameLst>
-                                          <p:attrName>ppt_y</p:attrName>
-                                        </p:attrNameLst>
-                                      </p:cBhvr>
-                                      <p:tavLst>
-                                        <p:tav tm="0">
-                                          <p:val>
-                                            <p:strVal val="1+#ppt_h/2"/>
-                                          </p:val>
-                                        </p:tav>
-                                        <p:tav tm="100000">
-                                          <p:val>
-                                            <p:strVal val="#ppt_y"/>
-                                          </p:val>
-                                        </p:tav>
-                                      </p:tavLst>
-                                    </p:anim>
-                                  </p:childTnLst>
-                                </p:cTn>
-                              </p:par>
-                            </p:childTnLst>
-                          </p:cTn>
-                        </p:par>
-                      </p:childTnLst>
-                    </p:cTn>
-                  </p:par>
-                  <p:par>
-                    <p:cTn id="23" fill="hold">
-                      <p:stCondLst>
-                        <p:cond delay="indefinite"/>
-                      </p:stCondLst>
-                      <p:childTnLst>
-                        <p:par>
-                          <p:cTn id="24" fill="hold">
-                            <p:stCondLst>
-                              <p:cond delay="0"/>
-                            </p:stCondLst>
-                            <p:childTnLst>
-                              <p:par>
-                                <p:cTn id="25" presetID="2" presetClass="entr" presetSubtype="4" fill="hold" nodeType="clickEffect">
-                                  <p:stCondLst>
-                                    <p:cond delay="0"/>
-                                  </p:stCondLst>
-                                  <p:childTnLst>
-                                    <p:set>
-                                      <p:cBhvr>
-                                        <p:cTn id="26" dur="1" fill="hold">
-                                          <p:stCondLst>
-                                            <p:cond delay="0"/>
-                                          </p:stCondLst>
-                                        </p:cTn>
-                                        <p:tgtEl>
-                                          <p:spTgt spid="23"/>
-                                        </p:tgtEl>
-                                        <p:attrNameLst>
-                                          <p:attrName>style.visibility</p:attrName>
-                                        </p:attrNameLst>
-                                      </p:cBhvr>
-                                      <p:to>
-                                        <p:strVal val="visible"/>
-                                      </p:to>
-                                    </p:set>
-                                    <p:anim calcmode="lin" valueType="num">
-                                      <p:cBhvr additive="base">
-                                        <p:cTn id="27" dur="500" fill="hold"/>
-                                        <p:tgtEl>
-                                          <p:spTgt spid="23"/>
-                                        </p:tgtEl>
-                                        <p:attrNameLst>
-                                          <p:attrName>ppt_x</p:attrName>
-                                        </p:attrNameLst>
-                                      </p:cBhvr>
-                                      <p:tavLst>
-                                        <p:tav tm="0">
-                                          <p:val>
-                                            <p:strVal val="#ppt_x"/>
-                                          </p:val>
-                                        </p:tav>
-                                        <p:tav tm="100000">
-                                          <p:val>
-                                            <p:strVal val="#ppt_x"/>
-                                          </p:val>
-                                        </p:tav>
-                                      </p:tavLst>
-                                    </p:anim>
-                                    <p:anim calcmode="lin" valueType="num">
-                                      <p:cBhvr additive="base">
-                                        <p:cTn id="28" dur="500" fill="hold"/>
-                                        <p:tgtEl>
-                                          <p:spTgt spid="23"/>
-                                        </p:tgtEl>
-                                        <p:attrNameLst>
-                                          <p:attrName>ppt_y</p:attrName>
-                                        </p:attrNameLst>
-                                      </p:cBhvr>
-                                      <p:tavLst>
-                                        <p:tav tm="0">
-                                          <p:val>
-                                            <p:strVal val="1+#ppt_h/2"/>
-                                          </p:val>
-                                        </p:tav>
-                                        <p:tav tm="100000">
-                                          <p:val>
-                                            <p:strVal val="#ppt_y"/>
-                                          </p:val>
-                                        </p:tav>
-                                      </p:tavLst>
-                                    </p:anim>
-                                  </p:childTnLst>
-                                </p:cTn>
-                              </p:par>
-                              <p:par>
-                                <p:cTn id="29" presetID="2" presetClass="entr" presetSubtype="4" fill="hold" nodeType="withEffect">
-                                  <p:stCondLst>
-                                    <p:cond delay="0"/>
-                                  </p:stCondLst>
-                                  <p:childTnLst>
-                                    <p:set>
-                                      <p:cBhvr>
-                                        <p:cTn id="30" dur="1" fill="hold">
-                                          <p:stCondLst>
-                                            <p:cond delay="0"/>
-                                          </p:stCondLst>
-                                        </p:cTn>
-                                        <p:tgtEl>
-                                          <p:spTgt spid="25"/>
-                                        </p:tgtEl>
-                                        <p:attrNameLst>
-                                          <p:attrName>style.visibility</p:attrName>
-                                        </p:attrNameLst>
-                                      </p:cBhvr>
-                                      <p:to>
-                                        <p:strVal val="visible"/>
-                                      </p:to>
-                                    </p:set>
-                                    <p:anim calcmode="lin" valueType="num">
-                                      <p:cBhvr additive="base">
-                                        <p:cTn id="31" dur="500" fill="hold"/>
-                                        <p:tgtEl>
-                                          <p:spTgt spid="25"/>
-                                        </p:tgtEl>
-                                        <p:attrNameLst>
-                                          <p:attrName>ppt_x</p:attrName>
-                                        </p:attrNameLst>
-                                      </p:cBhvr>
-                                      <p:tavLst>
-                                        <p:tav tm="0">
-                                          <p:val>
-                                            <p:strVal val="#ppt_x"/>
-                                          </p:val>
-                                        </p:tav>
-                                        <p:tav tm="100000">
-                                          <p:val>
-                                            <p:strVal val="#ppt_x"/>
-                                          </p:val>
-                                        </p:tav>
-                                      </p:tavLst>
-                                    </p:anim>
-                                    <p:anim calcmode="lin" valueType="num">
-                                      <p:cBhvr additive="base">
-                                        <p:cTn id="32" dur="500" fill="hold"/>
-                                        <p:tgtEl>
-                                          <p:spTgt spid="25"/>
-                                        </p:tgtEl>
-                                        <p:attrNameLst>
-                                          <p:attrName>ppt_y</p:attrName>
-                                        </p:attrNameLst>
-                                      </p:cBhvr>
-                                      <p:tavLst>
-                                        <p:tav tm="0">
-                                          <p:val>
-                                            <p:strVal val="1+#ppt_h/2"/>
-                                          </p:val>
-                                        </p:tav>
-                                        <p:tav tm="100000">
-                                          <p:val>
-                                            <p:strVal val="#ppt_y"/>
-                                          </p:val>
-                                        </p:tav>
-                                      </p:tavLst>
-                                    </p:anim>
-                                  </p:childTnLst>
-                                </p:cTn>
-                              </p:par>
-                            </p:childTnLst>
-                          </p:cTn>
-                        </p:par>
-                      </p:childTnLst>
-                    </p:cTn>
-                  </p:par>
-                </p:childTnLst>
-              </p:cTn>
-              <p:prevCondLst>
-                <p:cond evt="onPrev" delay="0">
-                  <p:tgtEl>
-                    <p:sldTgt/>
-                  </p:tgtEl>
-                </p:cond>
-              </p:prevCondLst>
-              <p:nextCondLst>
-                <p:cond evt="onNext" delay="0">
-                  <p:tgtEl>
-                    <p:sldTgt/>
-                  </p:tgtEl>
-                </p:cond>
-              </p:nextCondLst>
-            </p:seq>
-          </p:childTnLst>
-        </p:cTn>
-      </p:par>
-    </p:tnLst>
-    <p:bldLst>
-      <p:bldP spid="8" grpId="0"/>
-      <p:bldP spid="13" grpId="0"/>
-    </p:bldLst>
-  </p:timing>
 </p:sld>
 </file>
 
@@ -23923,30 +23457,6 @@
           </a:p>
         </p:txBody>
       </p:sp>
-      <p:pic>
-        <p:nvPicPr>
-          <p:cNvPr id="23" name="Picture 22"/>
-          <p:cNvPicPr>
-            <a:picLocks noChangeAspect="1"/>
-          </p:cNvPicPr>
-          <p:nvPr/>
-        </p:nvPicPr>
-        <p:blipFill>
-          <a:blip r:embed="rId3"/>
-          <a:stretch>
-            <a:fillRect/>
-          </a:stretch>
-        </p:blipFill>
-        <p:spPr>
-          <a:xfrm>
-            <a:off x="5807726" y="3409687"/>
-            <a:ext cx="1550278" cy="742387"/>
-          </a:xfrm>
-          <a:prstGeom prst="rect">
-            <a:avLst/>
-          </a:prstGeom>
-        </p:spPr>
-      </p:pic>
       <p:sp>
         <p:nvSpPr>
           <p:cNvPr id="103" name="Rectangle 102"/>
@@ -24073,13 +23583,13 @@
           <p:nvPr/>
         </p:nvPicPr>
         <p:blipFill rotWithShape="1">
-          <a:blip r:embed="rId4"/>
+          <a:blip r:embed="rId3"/>
           <a:srcRect l="47009" t="59274" b="20239"/>
           <a:stretch/>
         </p:blipFill>
         <p:spPr>
           <a:xfrm>
-            <a:off x="5714162" y="5394159"/>
+            <a:off x="5611292" y="5394159"/>
             <a:ext cx="2531494" cy="1109579"/>
           </a:xfrm>
           <a:prstGeom prst="rect">
@@ -24096,7 +23606,7 @@
           <p:nvPr/>
         </p:nvPicPr>
         <p:blipFill rotWithShape="1">
-          <a:blip r:embed="rId5"/>
+          <a:blip r:embed="rId4"/>
           <a:srcRect r="60393"/>
           <a:stretch/>
         </p:blipFill>
@@ -24112,7 +23622,7 @@
       </p:pic>
       <p:pic>
         <p:nvPicPr>
-          <p:cNvPr id="107" name="Picture 106"/>
+          <p:cNvPr id="108" name="Picture 107"/>
           <p:cNvPicPr>
             <a:picLocks noChangeAspect="1"/>
           </p:cNvPicPr>
@@ -24120,29 +23630,6 @@
         </p:nvPicPr>
         <p:blipFill rotWithShape="1">
           <a:blip r:embed="rId5"/>
-          <a:srcRect l="24409" t="-1" b="-7980"/>
-          <a:stretch/>
-        </p:blipFill>
-        <p:spPr>
-          <a:xfrm>
-            <a:off x="8188942" y="5668222"/>
-            <a:ext cx="852905" cy="748620"/>
-          </a:xfrm>
-          <a:prstGeom prst="rect">
-            <a:avLst/>
-          </a:prstGeom>
-        </p:spPr>
-      </p:pic>
-      <p:pic>
-        <p:nvPicPr>
-          <p:cNvPr id="108" name="Picture 107"/>
-          <p:cNvPicPr>
-            <a:picLocks noChangeAspect="1"/>
-          </p:cNvPicPr>
-          <p:nvPr/>
-        </p:nvPicPr>
-        <p:blipFill rotWithShape="1">
-          <a:blip r:embed="rId6"/>
           <a:srcRect/>
           <a:stretch/>
         </p:blipFill>
@@ -24164,7 +23651,7 @@
         </p:nvSpPr>
         <p:spPr>
           <a:xfrm>
-            <a:off x="8077703" y="5692563"/>
+            <a:off x="7974833" y="5692563"/>
             <a:ext cx="891473" cy="646331"/>
           </a:xfrm>
           <a:prstGeom prst="rect">
@@ -24252,7 +23739,7 @@
         </p:nvSpPr>
         <p:spPr>
           <a:xfrm>
-            <a:off x="5572225" y="5453016"/>
+            <a:off x="5469355" y="5453016"/>
             <a:ext cx="3469622" cy="1000490"/>
           </a:xfrm>
           <a:prstGeom prst="rect">
@@ -24288,6 +23775,66 @@
           </a:p>
         </p:txBody>
       </p:sp>
+      <p:pic>
+        <p:nvPicPr>
+          <p:cNvPr id="7" name="Picture 6">
+            <a:extLst>
+              <a:ext uri="{FF2B5EF4-FFF2-40B4-BE49-F238E27FC236}">
+                <a16:creationId xmlns:a16="http://schemas.microsoft.com/office/drawing/2014/main" id="{031CBF90-047B-4565-1720-0A5C62C12681}"/>
+              </a:ext>
+            </a:extLst>
+          </p:cNvPr>
+          <p:cNvPicPr>
+            <a:picLocks noChangeAspect="1"/>
+          </p:cNvPicPr>
+          <p:nvPr/>
+        </p:nvPicPr>
+        <p:blipFill>
+          <a:blip r:embed="rId6"/>
+          <a:stretch>
+            <a:fillRect/>
+          </a:stretch>
+        </p:blipFill>
+        <p:spPr>
+          <a:xfrm>
+            <a:off x="6059299" y="3436888"/>
+            <a:ext cx="1333285" cy="567355"/>
+          </a:xfrm>
+          <a:prstGeom prst="rect">
+            <a:avLst/>
+          </a:prstGeom>
+        </p:spPr>
+      </p:pic>
+      <p:pic>
+        <p:nvPicPr>
+          <p:cNvPr id="12" name="Picture 11">
+            <a:extLst>
+              <a:ext uri="{FF2B5EF4-FFF2-40B4-BE49-F238E27FC236}">
+                <a16:creationId xmlns:a16="http://schemas.microsoft.com/office/drawing/2014/main" id="{F10122BE-3DA0-47B1-1743-3E8343E63C62}"/>
+              </a:ext>
+            </a:extLst>
+          </p:cNvPr>
+          <p:cNvPicPr>
+            <a:picLocks noChangeAspect="1"/>
+          </p:cNvPicPr>
+          <p:nvPr/>
+        </p:nvPicPr>
+        <p:blipFill>
+          <a:blip r:embed="rId7"/>
+          <a:stretch>
+            <a:fillRect/>
+          </a:stretch>
+        </p:blipFill>
+        <p:spPr>
+          <a:xfrm>
+            <a:off x="8097501" y="5715112"/>
+            <a:ext cx="852905" cy="593325"/>
+          </a:xfrm>
+          <a:prstGeom prst="rect">
+            <a:avLst/>
+          </a:prstGeom>
+        </p:spPr>
+      </p:pic>
     </p:spTree>
     <p:extLst>
       <p:ext uri="{BB962C8B-B14F-4D97-AF65-F5344CB8AC3E}">
@@ -24496,7 +24043,7 @@
                                           </p:stCondLst>
                                         </p:cTn>
                                         <p:tgtEl>
-                                          <p:spTgt spid="23"/>
+                                          <p:spTgt spid="7"/>
                                         </p:tgtEl>
                                         <p:attrNameLst>
                                           <p:attrName>style.visibility</p:attrName>
@@ -24510,7 +24057,7 @@
                                       <p:cBhvr additive="base">
                                         <p:cTn id="17" dur="500" fill="hold"/>
                                         <p:tgtEl>
-                                          <p:spTgt spid="23"/>
+                                          <p:spTgt spid="7"/>
                                         </p:tgtEl>
                                         <p:attrNameLst>
                                           <p:attrName>ppt_x</p:attrName>
@@ -24533,7 +24080,7 @@
                                       <p:cBhvr additive="base">
                                         <p:cTn id="18" dur="500" fill="hold"/>
                                         <p:tgtEl>
-                                          <p:spTgt spid="23"/>
+                                          <p:spTgt spid="7"/>
                                         </p:tgtEl>
                                         <p:attrNameLst>
                                           <p:attrName>ppt_y</p:attrName>
@@ -24879,7 +24426,7 @@
                                           </p:stCondLst>
                                         </p:cTn>
                                         <p:tgtEl>
-                                          <p:spTgt spid="107"/>
+                                          <p:spTgt spid="12"/>
                                         </p:tgtEl>
                                         <p:attrNameLst>
                                           <p:attrName>style.visibility</p:attrName>
@@ -24893,7 +24440,7 @@
                                       <p:cBhvr additive="base">
                                         <p:cTn id="39" dur="500" fill="hold"/>
                                         <p:tgtEl>
-                                          <p:spTgt spid="107"/>
+                                          <p:spTgt spid="12"/>
                                         </p:tgtEl>
                                         <p:attrNameLst>
                                           <p:attrName>ppt_x</p:attrName>
@@ -24916,7 +24463,7 @@
                                       <p:cBhvr additive="base">
                                         <p:cTn id="40" dur="500" fill="hold"/>
                                         <p:tgtEl>
-                                          <p:spTgt spid="107"/>
+                                          <p:spTgt spid="12"/>
                                         </p:tgtEl>
                                         <p:attrNameLst>
                                           <p:attrName>ppt_y</p:attrName>
@@ -25027,16 +24574,16 @@
                                 </p:cTn>
                               </p:par>
                               <p:par>
-                                <p:cTn id="49" presetID="9" presetClass="exit" presetSubtype="0" fill="hold" nodeType="withEffect">
+                                <p:cTn id="49" presetID="3" presetClass="exit" presetSubtype="10" fill="hold" nodeType="withEffect">
                                   <p:stCondLst>
                                     <p:cond delay="0"/>
                                   </p:stCondLst>
                                   <p:childTnLst>
-                                    <p:animEffect transition="out" filter="dissolve">
+                                    <p:animEffect transition="out" filter="blinds(horizontal)">
                                       <p:cBhvr>
                                         <p:cTn id="50" dur="500"/>
                                         <p:tgtEl>
-                                          <p:spTgt spid="107"/>
+                                          <p:spTgt spid="12"/>
                                         </p:tgtEl>
                                       </p:cBhvr>
                                     </p:animEffect>
@@ -25048,7 +24595,7 @@
                                           </p:stCondLst>
                                         </p:cTn>
                                         <p:tgtEl>
-                                          <p:spTgt spid="107"/>
+                                          <p:spTgt spid="12"/>
                                         </p:tgtEl>
                                         <p:attrNameLst>
                                           <p:attrName>style.visibility</p:attrName>

--- a/Notes/14_intro_stat_mech.pptx
+++ b/Notes/14_intro_stat_mech.pptx
@@ -228,7 +228,7 @@
           <a:p>
             <a:fld id="{47B5508F-B9DA-3A4B-92BF-6A4138802024}" type="datetimeFigureOut">
               <a:rPr lang="en-US" smtClean="0"/>
-              <a:t>5/9/24</a:t>
+              <a:t>5/8/25</a:t>
             </a:fld>
             <a:endParaRPr lang="en-US"/>
           </a:p>
@@ -762,7 +762,7 @@
             <a:fld id="{B2F2B4BC-311C-574E-AB1F-5BCC7E00BDAB}" type="datetimeFigureOut">
               <a:rPr lang="en-US" smtClean="0"/>
               <a:pPr/>
-              <a:t>5/9/24</a:t>
+              <a:t>5/8/25</a:t>
             </a:fld>
             <a:endParaRPr lang="en-US"/>
           </a:p>
@@ -927,7 +927,7 @@
             <a:fld id="{B2F2B4BC-311C-574E-AB1F-5BCC7E00BDAB}" type="datetimeFigureOut">
               <a:rPr lang="en-US" smtClean="0"/>
               <a:pPr/>
-              <a:t>5/9/24</a:t>
+              <a:t>5/8/25</a:t>
             </a:fld>
             <a:endParaRPr lang="en-US"/>
           </a:p>
@@ -1102,7 +1102,7 @@
             <a:fld id="{B2F2B4BC-311C-574E-AB1F-5BCC7E00BDAB}" type="datetimeFigureOut">
               <a:rPr lang="en-US" smtClean="0"/>
               <a:pPr/>
-              <a:t>5/9/24</a:t>
+              <a:t>5/8/25</a:t>
             </a:fld>
             <a:endParaRPr lang="en-US"/>
           </a:p>
@@ -1267,7 +1267,7 @@
             <a:fld id="{B2F2B4BC-311C-574E-AB1F-5BCC7E00BDAB}" type="datetimeFigureOut">
               <a:rPr lang="en-US" smtClean="0"/>
               <a:pPr/>
-              <a:t>5/9/24</a:t>
+              <a:t>5/8/25</a:t>
             </a:fld>
             <a:endParaRPr lang="en-US"/>
           </a:p>
@@ -1509,7 +1509,7 @@
             <a:fld id="{B2F2B4BC-311C-574E-AB1F-5BCC7E00BDAB}" type="datetimeFigureOut">
               <a:rPr lang="en-US" smtClean="0"/>
               <a:pPr/>
-              <a:t>5/9/24</a:t>
+              <a:t>5/8/25</a:t>
             </a:fld>
             <a:endParaRPr lang="en-US"/>
           </a:p>
@@ -1791,7 +1791,7 @@
             <a:fld id="{B2F2B4BC-311C-574E-AB1F-5BCC7E00BDAB}" type="datetimeFigureOut">
               <a:rPr lang="en-US" smtClean="0"/>
               <a:pPr/>
-              <a:t>5/9/24</a:t>
+              <a:t>5/8/25</a:t>
             </a:fld>
             <a:endParaRPr lang="en-US"/>
           </a:p>
@@ -2207,7 +2207,7 @@
             <a:fld id="{B2F2B4BC-311C-574E-AB1F-5BCC7E00BDAB}" type="datetimeFigureOut">
               <a:rPr lang="en-US" smtClean="0"/>
               <a:pPr/>
-              <a:t>5/9/24</a:t>
+              <a:t>5/8/25</a:t>
             </a:fld>
             <a:endParaRPr lang="en-US"/>
           </a:p>
@@ -2321,7 +2321,7 @@
             <a:fld id="{B2F2B4BC-311C-574E-AB1F-5BCC7E00BDAB}" type="datetimeFigureOut">
               <a:rPr lang="en-US" smtClean="0"/>
               <a:pPr/>
-              <a:t>5/9/24</a:t>
+              <a:t>5/8/25</a:t>
             </a:fld>
             <a:endParaRPr lang="en-US"/>
           </a:p>
@@ -2413,7 +2413,7 @@
             <a:fld id="{B2F2B4BC-311C-574E-AB1F-5BCC7E00BDAB}" type="datetimeFigureOut">
               <a:rPr lang="en-US" smtClean="0"/>
               <a:pPr/>
-              <a:t>5/9/24</a:t>
+              <a:t>5/8/25</a:t>
             </a:fld>
             <a:endParaRPr lang="en-US"/>
           </a:p>
@@ -2685,7 +2685,7 @@
             <a:fld id="{B2F2B4BC-311C-574E-AB1F-5BCC7E00BDAB}" type="datetimeFigureOut">
               <a:rPr lang="en-US" smtClean="0"/>
               <a:pPr/>
-              <a:t>5/9/24</a:t>
+              <a:t>5/8/25</a:t>
             </a:fld>
             <a:endParaRPr lang="en-US"/>
           </a:p>
@@ -2934,7 +2934,7 @@
             <a:fld id="{B2F2B4BC-311C-574E-AB1F-5BCC7E00BDAB}" type="datetimeFigureOut">
               <a:rPr lang="en-US" smtClean="0"/>
               <a:pPr/>
-              <a:t>5/9/24</a:t>
+              <a:t>5/8/25</a:t>
             </a:fld>
             <a:endParaRPr lang="en-US"/>
           </a:p>
@@ -3142,7 +3142,7 @@
             <a:fld id="{B2F2B4BC-311C-574E-AB1F-5BCC7E00BDAB}" type="datetimeFigureOut">
               <a:rPr lang="en-US" smtClean="0"/>
               <a:pPr/>
-              <a:t>5/9/24</a:t>
+              <a:t>5/8/25</a:t>
             </a:fld>
             <a:endParaRPr lang="en-US"/>
           </a:p>
@@ -9424,7 +9424,7 @@
                       <a:noFill/>
                       <a:extLst>
                         <a:ext uri="{909E8E84-426E-40dd-AFC4-6F175D3DCCD1}">
-                          <a14:hiddenFill xmlns="" xmlns:a14="http://schemas.microsoft.com/office/drawing/2010/main">
+                          <a14:hiddenFill xmlns:a14="http://schemas.microsoft.com/office/drawing/2010/main" xmlns="">
                             <a:solidFill>
                               <a:srgbClr val="FFFFFF"/>
                             </a:solidFill>
@@ -10230,7 +10230,7 @@
                       <a:noFill/>
                       <a:extLst>
                         <a:ext uri="{909E8E84-426E-40dd-AFC4-6F175D3DCCD1}">
-                          <a14:hiddenFill xmlns="" xmlns:a14="http://schemas.microsoft.com/office/drawing/2010/main">
+                          <a14:hiddenFill xmlns:a14="http://schemas.microsoft.com/office/drawing/2010/main" xmlns="">
                             <a:solidFill>
                               <a:srgbClr val="FFFFFF"/>
                             </a:solidFill>
@@ -10795,7 +10795,7 @@
                       <a:noFill/>
                       <a:extLst>
                         <a:ext uri="{909E8E84-426E-40dd-AFC4-6F175D3DCCD1}">
-                          <a14:hiddenFill xmlns="" xmlns:a14="http://schemas.microsoft.com/office/drawing/2010/main">
+                          <a14:hiddenFill xmlns:a14="http://schemas.microsoft.com/office/drawing/2010/main" xmlns="">
                             <a:solidFill>
                               <a:srgbClr val="FFFFFF"/>
                             </a:solidFill>
@@ -11714,7 +11714,7 @@
                       <a:noFill/>
                       <a:extLst>
                         <a:ext uri="{909E8E84-426E-40dd-AFC4-6F175D3DCCD1}">
-                          <a14:hiddenFill xmlns="" xmlns:a14="http://schemas.microsoft.com/office/drawing/2010/main">
+                          <a14:hiddenFill xmlns:a14="http://schemas.microsoft.com/office/drawing/2010/main" xmlns="">
                             <a:solidFill>
                               <a:srgbClr val="FFFFFF"/>
                             </a:solidFill>
@@ -15680,7 +15680,7 @@
                 </a:solidFill>
                 <a:latin typeface="Times New Roman" pitchFamily="18" charset="0"/>
               </a:rPr>
-              <a:t>Instead lets note that for a big box and lots of particles, the </a:t>
+              <a:t>Instead let's note that for a big box and lots of particles, the </a:t>
             </a:r>
             <a:r>
               <a:rPr lang="en-GB" sz="3200" i="1" dirty="0" err="1">
